--- a/ppt 16-9/0434.快还福音债.pptx
+++ b/ppt 16-9/0434.快还福音债.pptx
@@ -5,7 +5,7 @@
     <p:sldMasterId id="2147483648" r:id="rId1"/>
   </p:sldMasterIdLst>
   <p:sldIdLst>
-    <p:sldId id="2920" r:id="rId2"/>
+    <p:sldId id="2923" r:id="rId2"/>
   </p:sldIdLst>
   <p:sldSz cx="12192000" cy="6858000"/>
   <p:notesSz cx="6858000" cy="9144000"/>
@@ -129,7 +129,7 @@
           <p:cNvPr id="2" name="标题 1">
             <a:extLst>
               <a:ext uri="{FF2B5EF4-FFF2-40B4-BE49-F238E27FC236}">
-                <a16:creationId xmlns:a16="http://schemas.microsoft.com/office/drawing/2014/main" id="{E73E4595-AE5B-A2F3-A968-EB668D31F925}"/>
+                <a16:creationId xmlns:a16="http://schemas.microsoft.com/office/drawing/2014/main" id="{CA8FAFF6-ECD5-A5EF-28FE-5B8321A5BEE6}"/>
               </a:ext>
             </a:extLst>
           </p:cNvPr>
@@ -166,7 +166,7 @@
           <p:cNvPr id="3" name="副标题 2">
             <a:extLst>
               <a:ext uri="{FF2B5EF4-FFF2-40B4-BE49-F238E27FC236}">
-                <a16:creationId xmlns:a16="http://schemas.microsoft.com/office/drawing/2014/main" id="{F3003915-2F3D-605C-7AF9-EE0519C4BF05}"/>
+                <a16:creationId xmlns:a16="http://schemas.microsoft.com/office/drawing/2014/main" id="{61326F85-BA1F-4E98-BAF6-1D940B22B4C5}"/>
               </a:ext>
             </a:extLst>
           </p:cNvPr>
@@ -236,7 +236,7 @@
           <p:cNvPr id="4" name="日期占位符 3">
             <a:extLst>
               <a:ext uri="{FF2B5EF4-FFF2-40B4-BE49-F238E27FC236}">
-                <a16:creationId xmlns:a16="http://schemas.microsoft.com/office/drawing/2014/main" id="{CB773011-568E-29E3-C26F-B8B7B7C1247B}"/>
+                <a16:creationId xmlns:a16="http://schemas.microsoft.com/office/drawing/2014/main" id="{BAE6E263-F2C3-4410-02CC-FEA1B609BBD9}"/>
               </a:ext>
             </a:extLst>
           </p:cNvPr>
@@ -252,7 +252,7 @@
           <a:bodyPr/>
           <a:lstStyle/>
           <a:p>
-            <a:fld id="{1F72B8CD-B301-495F-B4E2-D3745292DDE0}" type="datetimeFigureOut">
+            <a:fld id="{CCFB93AC-EDEA-43BF-A123-4950B2CF6A3B}" type="datetimeFigureOut">
               <a:rPr lang="zh-CN" altLang="en-US" smtClean="0"/>
               <a:t>2024/3/10</a:t>
             </a:fld>
@@ -265,7 +265,7 @@
           <p:cNvPr id="5" name="页脚占位符 4">
             <a:extLst>
               <a:ext uri="{FF2B5EF4-FFF2-40B4-BE49-F238E27FC236}">
-                <a16:creationId xmlns:a16="http://schemas.microsoft.com/office/drawing/2014/main" id="{2894CAF9-20BD-BC17-B560-0A0BEDF4D352}"/>
+                <a16:creationId xmlns:a16="http://schemas.microsoft.com/office/drawing/2014/main" id="{ED05DC3E-59FC-CE9A-EDC6-F19A40FF3B59}"/>
               </a:ext>
             </a:extLst>
           </p:cNvPr>
@@ -290,7 +290,7 @@
           <p:cNvPr id="6" name="灯片编号占位符 5">
             <a:extLst>
               <a:ext uri="{FF2B5EF4-FFF2-40B4-BE49-F238E27FC236}">
-                <a16:creationId xmlns:a16="http://schemas.microsoft.com/office/drawing/2014/main" id="{514F3962-E40A-CFB5-243D-A3643B4E04DD}"/>
+                <a16:creationId xmlns:a16="http://schemas.microsoft.com/office/drawing/2014/main" id="{FE0129FA-9E4B-5819-C894-D805AF4E1753}"/>
               </a:ext>
             </a:extLst>
           </p:cNvPr>
@@ -306,7 +306,7 @@
           <a:bodyPr/>
           <a:lstStyle/>
           <a:p>
-            <a:fld id="{2B0FD6B3-1A40-47BB-9480-A84D69683F78}" type="slidenum">
+            <a:fld id="{A57A4B85-06FC-4C3C-AD01-B5C098C13949}" type="slidenum">
               <a:rPr lang="zh-CN" altLang="en-US" smtClean="0"/>
               <a:t>‹#›</a:t>
             </a:fld>
@@ -317,7 +317,7 @@
     </p:spTree>
     <p:extLst>
       <p:ext uri="{BB962C8B-B14F-4D97-AF65-F5344CB8AC3E}">
-        <p14:creationId xmlns:p14="http://schemas.microsoft.com/office/powerpoint/2010/main" val="3754770915"/>
+        <p14:creationId xmlns:p14="http://schemas.microsoft.com/office/powerpoint/2010/main" val="1883425262"/>
       </p:ext>
     </p:extLst>
   </p:cSld>
@@ -349,7 +349,7 @@
           <p:cNvPr id="2" name="标题 1">
             <a:extLst>
               <a:ext uri="{FF2B5EF4-FFF2-40B4-BE49-F238E27FC236}">
-                <a16:creationId xmlns:a16="http://schemas.microsoft.com/office/drawing/2014/main" id="{5A1A10F0-8DE9-8165-5188-2E6CD914186F}"/>
+                <a16:creationId xmlns:a16="http://schemas.microsoft.com/office/drawing/2014/main" id="{E605E055-A937-EBC3-49CE-D87F41BB3BBB}"/>
               </a:ext>
             </a:extLst>
           </p:cNvPr>
@@ -377,7 +377,7 @@
           <p:cNvPr id="3" name="竖排文字占位符 2">
             <a:extLst>
               <a:ext uri="{FF2B5EF4-FFF2-40B4-BE49-F238E27FC236}">
-                <a16:creationId xmlns:a16="http://schemas.microsoft.com/office/drawing/2014/main" id="{69B12F29-4AEC-7734-4EA0-2C8F56F53B7C}"/>
+                <a16:creationId xmlns:a16="http://schemas.microsoft.com/office/drawing/2014/main" id="{01C02C4C-202B-B1E7-4CF6-80E9779FA140}"/>
               </a:ext>
             </a:extLst>
           </p:cNvPr>
@@ -434,7 +434,7 @@
           <p:cNvPr id="4" name="日期占位符 3">
             <a:extLst>
               <a:ext uri="{FF2B5EF4-FFF2-40B4-BE49-F238E27FC236}">
-                <a16:creationId xmlns:a16="http://schemas.microsoft.com/office/drawing/2014/main" id="{5DF74CE8-DCA0-6C04-385B-DFF294B5006F}"/>
+                <a16:creationId xmlns:a16="http://schemas.microsoft.com/office/drawing/2014/main" id="{297AA3A5-9FAB-2800-2D9E-2FCC09EC7414}"/>
               </a:ext>
             </a:extLst>
           </p:cNvPr>
@@ -450,7 +450,7 @@
           <a:bodyPr/>
           <a:lstStyle/>
           <a:p>
-            <a:fld id="{1F72B8CD-B301-495F-B4E2-D3745292DDE0}" type="datetimeFigureOut">
+            <a:fld id="{CCFB93AC-EDEA-43BF-A123-4950B2CF6A3B}" type="datetimeFigureOut">
               <a:rPr lang="zh-CN" altLang="en-US" smtClean="0"/>
               <a:t>2024/3/10</a:t>
             </a:fld>
@@ -463,7 +463,7 @@
           <p:cNvPr id="5" name="页脚占位符 4">
             <a:extLst>
               <a:ext uri="{FF2B5EF4-FFF2-40B4-BE49-F238E27FC236}">
-                <a16:creationId xmlns:a16="http://schemas.microsoft.com/office/drawing/2014/main" id="{5949393A-C806-3778-67FE-62D7100B7D41}"/>
+                <a16:creationId xmlns:a16="http://schemas.microsoft.com/office/drawing/2014/main" id="{DF82E67D-9616-2AD5-1305-D4789DF9CA80}"/>
               </a:ext>
             </a:extLst>
           </p:cNvPr>
@@ -488,7 +488,7 @@
           <p:cNvPr id="6" name="灯片编号占位符 5">
             <a:extLst>
               <a:ext uri="{FF2B5EF4-FFF2-40B4-BE49-F238E27FC236}">
-                <a16:creationId xmlns:a16="http://schemas.microsoft.com/office/drawing/2014/main" id="{352FC932-8656-864D-2584-543D4BC6E4E7}"/>
+                <a16:creationId xmlns:a16="http://schemas.microsoft.com/office/drawing/2014/main" id="{387E4CE9-E9FE-4F84-39AC-FF045DD2F56A}"/>
               </a:ext>
             </a:extLst>
           </p:cNvPr>
@@ -504,7 +504,7 @@
           <a:bodyPr/>
           <a:lstStyle/>
           <a:p>
-            <a:fld id="{2B0FD6B3-1A40-47BB-9480-A84D69683F78}" type="slidenum">
+            <a:fld id="{A57A4B85-06FC-4C3C-AD01-B5C098C13949}" type="slidenum">
               <a:rPr lang="zh-CN" altLang="en-US" smtClean="0"/>
               <a:t>‹#›</a:t>
             </a:fld>
@@ -515,7 +515,7 @@
     </p:spTree>
     <p:extLst>
       <p:ext uri="{BB962C8B-B14F-4D97-AF65-F5344CB8AC3E}">
-        <p14:creationId xmlns:p14="http://schemas.microsoft.com/office/powerpoint/2010/main" val="3699859190"/>
+        <p14:creationId xmlns:p14="http://schemas.microsoft.com/office/powerpoint/2010/main" val="2370745749"/>
       </p:ext>
     </p:extLst>
   </p:cSld>
@@ -547,7 +547,7 @@
           <p:cNvPr id="2" name="竖排标题 1">
             <a:extLst>
               <a:ext uri="{FF2B5EF4-FFF2-40B4-BE49-F238E27FC236}">
-                <a16:creationId xmlns:a16="http://schemas.microsoft.com/office/drawing/2014/main" id="{746ED99E-40BB-7637-ACBC-DE263FB19DA9}"/>
+                <a16:creationId xmlns:a16="http://schemas.microsoft.com/office/drawing/2014/main" id="{167D001C-AA7D-D99C-BCEA-1F76A5E52C92}"/>
               </a:ext>
             </a:extLst>
           </p:cNvPr>
@@ -580,7 +580,7 @@
           <p:cNvPr id="3" name="竖排文字占位符 2">
             <a:extLst>
               <a:ext uri="{FF2B5EF4-FFF2-40B4-BE49-F238E27FC236}">
-                <a16:creationId xmlns:a16="http://schemas.microsoft.com/office/drawing/2014/main" id="{5984364B-4334-D51B-EAB8-F223F2BA9E67}"/>
+                <a16:creationId xmlns:a16="http://schemas.microsoft.com/office/drawing/2014/main" id="{64667235-0393-849B-16B3-10625A6CDDEF}"/>
               </a:ext>
             </a:extLst>
           </p:cNvPr>
@@ -642,7 +642,7 @@
           <p:cNvPr id="4" name="日期占位符 3">
             <a:extLst>
               <a:ext uri="{FF2B5EF4-FFF2-40B4-BE49-F238E27FC236}">
-                <a16:creationId xmlns:a16="http://schemas.microsoft.com/office/drawing/2014/main" id="{9D0D0530-A280-778D-73A0-066262BBACB9}"/>
+                <a16:creationId xmlns:a16="http://schemas.microsoft.com/office/drawing/2014/main" id="{225D4307-FE31-E23F-F698-5D88262C9E95}"/>
               </a:ext>
             </a:extLst>
           </p:cNvPr>
@@ -658,7 +658,7 @@
           <a:bodyPr/>
           <a:lstStyle/>
           <a:p>
-            <a:fld id="{1F72B8CD-B301-495F-B4E2-D3745292DDE0}" type="datetimeFigureOut">
+            <a:fld id="{CCFB93AC-EDEA-43BF-A123-4950B2CF6A3B}" type="datetimeFigureOut">
               <a:rPr lang="zh-CN" altLang="en-US" smtClean="0"/>
               <a:t>2024/3/10</a:t>
             </a:fld>
@@ -671,7 +671,7 @@
           <p:cNvPr id="5" name="页脚占位符 4">
             <a:extLst>
               <a:ext uri="{FF2B5EF4-FFF2-40B4-BE49-F238E27FC236}">
-                <a16:creationId xmlns:a16="http://schemas.microsoft.com/office/drawing/2014/main" id="{54CC5F6A-C34D-2C3F-EDAD-512189A793D6}"/>
+                <a16:creationId xmlns:a16="http://schemas.microsoft.com/office/drawing/2014/main" id="{9A4821B5-8323-374F-B334-32630B2A2E83}"/>
               </a:ext>
             </a:extLst>
           </p:cNvPr>
@@ -696,7 +696,7 @@
           <p:cNvPr id="6" name="灯片编号占位符 5">
             <a:extLst>
               <a:ext uri="{FF2B5EF4-FFF2-40B4-BE49-F238E27FC236}">
-                <a16:creationId xmlns:a16="http://schemas.microsoft.com/office/drawing/2014/main" id="{DC8ECC4B-8ED9-7142-633C-661A5F1F8430}"/>
+                <a16:creationId xmlns:a16="http://schemas.microsoft.com/office/drawing/2014/main" id="{1CD3777B-6A0A-19A9-8DF9-F3A529375264}"/>
               </a:ext>
             </a:extLst>
           </p:cNvPr>
@@ -712,7 +712,7 @@
           <a:bodyPr/>
           <a:lstStyle/>
           <a:p>
-            <a:fld id="{2B0FD6B3-1A40-47BB-9480-A84D69683F78}" type="slidenum">
+            <a:fld id="{A57A4B85-06FC-4C3C-AD01-B5C098C13949}" type="slidenum">
               <a:rPr lang="zh-CN" altLang="en-US" smtClean="0"/>
               <a:t>‹#›</a:t>
             </a:fld>
@@ -723,7 +723,7 @@
     </p:spTree>
     <p:extLst>
       <p:ext uri="{BB962C8B-B14F-4D97-AF65-F5344CB8AC3E}">
-        <p14:creationId xmlns:p14="http://schemas.microsoft.com/office/powerpoint/2010/main" val="1582397417"/>
+        <p14:creationId xmlns:p14="http://schemas.microsoft.com/office/powerpoint/2010/main" val="281441721"/>
       </p:ext>
     </p:extLst>
   </p:cSld>
@@ -755,7 +755,7 @@
           <p:cNvPr id="2" name="标题 1">
             <a:extLst>
               <a:ext uri="{FF2B5EF4-FFF2-40B4-BE49-F238E27FC236}">
-                <a16:creationId xmlns:a16="http://schemas.microsoft.com/office/drawing/2014/main" id="{6665D440-23EF-7737-01FC-261B34440CD4}"/>
+                <a16:creationId xmlns:a16="http://schemas.microsoft.com/office/drawing/2014/main" id="{BBE19291-7A29-5F19-8A4A-F0D2CA166BEF}"/>
               </a:ext>
             </a:extLst>
           </p:cNvPr>
@@ -783,7 +783,7 @@
           <p:cNvPr id="3" name="内容占位符 2">
             <a:extLst>
               <a:ext uri="{FF2B5EF4-FFF2-40B4-BE49-F238E27FC236}">
-                <a16:creationId xmlns:a16="http://schemas.microsoft.com/office/drawing/2014/main" id="{1F229ADB-336E-8A4B-5CD7-04D5A7A68B51}"/>
+                <a16:creationId xmlns:a16="http://schemas.microsoft.com/office/drawing/2014/main" id="{67884572-A3E1-B416-37B6-63F763BD7C3A}"/>
               </a:ext>
             </a:extLst>
           </p:cNvPr>
@@ -840,7 +840,7 @@
           <p:cNvPr id="4" name="日期占位符 3">
             <a:extLst>
               <a:ext uri="{FF2B5EF4-FFF2-40B4-BE49-F238E27FC236}">
-                <a16:creationId xmlns:a16="http://schemas.microsoft.com/office/drawing/2014/main" id="{B148E6F7-C164-6335-F287-B343C7CBAE16}"/>
+                <a16:creationId xmlns:a16="http://schemas.microsoft.com/office/drawing/2014/main" id="{C7966BA2-13A9-0463-99B1-0D6FFE31F1E8}"/>
               </a:ext>
             </a:extLst>
           </p:cNvPr>
@@ -856,7 +856,7 @@
           <a:bodyPr/>
           <a:lstStyle/>
           <a:p>
-            <a:fld id="{1F72B8CD-B301-495F-B4E2-D3745292DDE0}" type="datetimeFigureOut">
+            <a:fld id="{CCFB93AC-EDEA-43BF-A123-4950B2CF6A3B}" type="datetimeFigureOut">
               <a:rPr lang="zh-CN" altLang="en-US" smtClean="0"/>
               <a:t>2024/3/10</a:t>
             </a:fld>
@@ -869,7 +869,7 @@
           <p:cNvPr id="5" name="页脚占位符 4">
             <a:extLst>
               <a:ext uri="{FF2B5EF4-FFF2-40B4-BE49-F238E27FC236}">
-                <a16:creationId xmlns:a16="http://schemas.microsoft.com/office/drawing/2014/main" id="{2DA0F308-B3AF-EA51-80C0-B677F4B78621}"/>
+                <a16:creationId xmlns:a16="http://schemas.microsoft.com/office/drawing/2014/main" id="{C9BBA1C9-3B10-22D3-575C-9A8CADEBA8D7}"/>
               </a:ext>
             </a:extLst>
           </p:cNvPr>
@@ -894,7 +894,7 @@
           <p:cNvPr id="6" name="灯片编号占位符 5">
             <a:extLst>
               <a:ext uri="{FF2B5EF4-FFF2-40B4-BE49-F238E27FC236}">
-                <a16:creationId xmlns:a16="http://schemas.microsoft.com/office/drawing/2014/main" id="{BA172817-305A-3742-0EAA-7DAD23E27086}"/>
+                <a16:creationId xmlns:a16="http://schemas.microsoft.com/office/drawing/2014/main" id="{D5F6A6A5-FA84-018E-069F-8DDF1C1812DD}"/>
               </a:ext>
             </a:extLst>
           </p:cNvPr>
@@ -910,7 +910,7 @@
           <a:bodyPr/>
           <a:lstStyle/>
           <a:p>
-            <a:fld id="{2B0FD6B3-1A40-47BB-9480-A84D69683F78}" type="slidenum">
+            <a:fld id="{A57A4B85-06FC-4C3C-AD01-B5C098C13949}" type="slidenum">
               <a:rPr lang="zh-CN" altLang="en-US" smtClean="0"/>
               <a:t>‹#›</a:t>
             </a:fld>
@@ -921,7 +921,7 @@
     </p:spTree>
     <p:extLst>
       <p:ext uri="{BB962C8B-B14F-4D97-AF65-F5344CB8AC3E}">
-        <p14:creationId xmlns:p14="http://schemas.microsoft.com/office/powerpoint/2010/main" val="1646650232"/>
+        <p14:creationId xmlns:p14="http://schemas.microsoft.com/office/powerpoint/2010/main" val="426293576"/>
       </p:ext>
     </p:extLst>
   </p:cSld>
@@ -953,7 +953,7 @@
           <p:cNvPr id="2" name="标题 1">
             <a:extLst>
               <a:ext uri="{FF2B5EF4-FFF2-40B4-BE49-F238E27FC236}">
-                <a16:creationId xmlns:a16="http://schemas.microsoft.com/office/drawing/2014/main" id="{6034A290-7F61-7602-10FE-53A399BD454E}"/>
+                <a16:creationId xmlns:a16="http://schemas.microsoft.com/office/drawing/2014/main" id="{7E0ED23E-96B1-1361-D59B-431C522449C8}"/>
               </a:ext>
             </a:extLst>
           </p:cNvPr>
@@ -990,7 +990,7 @@
           <p:cNvPr id="3" name="文本占位符 2">
             <a:extLst>
               <a:ext uri="{FF2B5EF4-FFF2-40B4-BE49-F238E27FC236}">
-                <a16:creationId xmlns:a16="http://schemas.microsoft.com/office/drawing/2014/main" id="{4774E588-01E8-DD25-887B-701F3F5664CA}"/>
+                <a16:creationId xmlns:a16="http://schemas.microsoft.com/office/drawing/2014/main" id="{42C9C195-5BB7-431C-3FE3-958B14CED1CA}"/>
               </a:ext>
             </a:extLst>
           </p:cNvPr>
@@ -1115,7 +1115,7 @@
           <p:cNvPr id="4" name="日期占位符 3">
             <a:extLst>
               <a:ext uri="{FF2B5EF4-FFF2-40B4-BE49-F238E27FC236}">
-                <a16:creationId xmlns:a16="http://schemas.microsoft.com/office/drawing/2014/main" id="{B684E593-7461-8DCC-DA22-27181E5EB582}"/>
+                <a16:creationId xmlns:a16="http://schemas.microsoft.com/office/drawing/2014/main" id="{5261C795-AB2D-7F82-21C3-93C97F4378C3}"/>
               </a:ext>
             </a:extLst>
           </p:cNvPr>
@@ -1131,7 +1131,7 @@
           <a:bodyPr/>
           <a:lstStyle/>
           <a:p>
-            <a:fld id="{1F72B8CD-B301-495F-B4E2-D3745292DDE0}" type="datetimeFigureOut">
+            <a:fld id="{CCFB93AC-EDEA-43BF-A123-4950B2CF6A3B}" type="datetimeFigureOut">
               <a:rPr lang="zh-CN" altLang="en-US" smtClean="0"/>
               <a:t>2024/3/10</a:t>
             </a:fld>
@@ -1144,7 +1144,7 @@
           <p:cNvPr id="5" name="页脚占位符 4">
             <a:extLst>
               <a:ext uri="{FF2B5EF4-FFF2-40B4-BE49-F238E27FC236}">
-                <a16:creationId xmlns:a16="http://schemas.microsoft.com/office/drawing/2014/main" id="{A9C87E66-47BB-6FBC-4F3D-A9011DBEFF33}"/>
+                <a16:creationId xmlns:a16="http://schemas.microsoft.com/office/drawing/2014/main" id="{6ECBA4C5-F5E5-A9C8-EEE9-F469958E7A63}"/>
               </a:ext>
             </a:extLst>
           </p:cNvPr>
@@ -1169,7 +1169,7 @@
           <p:cNvPr id="6" name="灯片编号占位符 5">
             <a:extLst>
               <a:ext uri="{FF2B5EF4-FFF2-40B4-BE49-F238E27FC236}">
-                <a16:creationId xmlns:a16="http://schemas.microsoft.com/office/drawing/2014/main" id="{BC72221B-DB92-0CE7-D8CE-F826C930CCF8}"/>
+                <a16:creationId xmlns:a16="http://schemas.microsoft.com/office/drawing/2014/main" id="{419FD61E-9405-465C-691B-592B8DEFEE78}"/>
               </a:ext>
             </a:extLst>
           </p:cNvPr>
@@ -1185,7 +1185,7 @@
           <a:bodyPr/>
           <a:lstStyle/>
           <a:p>
-            <a:fld id="{2B0FD6B3-1A40-47BB-9480-A84D69683F78}" type="slidenum">
+            <a:fld id="{A57A4B85-06FC-4C3C-AD01-B5C098C13949}" type="slidenum">
               <a:rPr lang="zh-CN" altLang="en-US" smtClean="0"/>
               <a:t>‹#›</a:t>
             </a:fld>
@@ -1196,7 +1196,7 @@
     </p:spTree>
     <p:extLst>
       <p:ext uri="{BB962C8B-B14F-4D97-AF65-F5344CB8AC3E}">
-        <p14:creationId xmlns:p14="http://schemas.microsoft.com/office/powerpoint/2010/main" val="2076613588"/>
+        <p14:creationId xmlns:p14="http://schemas.microsoft.com/office/powerpoint/2010/main" val="1409420694"/>
       </p:ext>
     </p:extLst>
   </p:cSld>
@@ -1228,7 +1228,7 @@
           <p:cNvPr id="2" name="标题 1">
             <a:extLst>
               <a:ext uri="{FF2B5EF4-FFF2-40B4-BE49-F238E27FC236}">
-                <a16:creationId xmlns:a16="http://schemas.microsoft.com/office/drawing/2014/main" id="{1835C9D4-BD24-78C8-315C-91C9BF5FC12F}"/>
+                <a16:creationId xmlns:a16="http://schemas.microsoft.com/office/drawing/2014/main" id="{AEF3FF82-022F-C41A-9F9C-66AF3EE84991}"/>
               </a:ext>
             </a:extLst>
           </p:cNvPr>
@@ -1256,7 +1256,7 @@
           <p:cNvPr id="3" name="内容占位符 2">
             <a:extLst>
               <a:ext uri="{FF2B5EF4-FFF2-40B4-BE49-F238E27FC236}">
-                <a16:creationId xmlns:a16="http://schemas.microsoft.com/office/drawing/2014/main" id="{E8FE6D87-609D-F7BB-6C8C-071DCF01B1F4}"/>
+                <a16:creationId xmlns:a16="http://schemas.microsoft.com/office/drawing/2014/main" id="{08001B7D-E5A9-CCEF-FF4B-6364963BF87D}"/>
               </a:ext>
             </a:extLst>
           </p:cNvPr>
@@ -1318,7 +1318,7 @@
           <p:cNvPr id="4" name="内容占位符 3">
             <a:extLst>
               <a:ext uri="{FF2B5EF4-FFF2-40B4-BE49-F238E27FC236}">
-                <a16:creationId xmlns:a16="http://schemas.microsoft.com/office/drawing/2014/main" id="{EFA26324-9A6F-B666-A361-F6D3AE9842AC}"/>
+                <a16:creationId xmlns:a16="http://schemas.microsoft.com/office/drawing/2014/main" id="{132C6502-A5E0-4501-6BF0-57C4051A39B0}"/>
               </a:ext>
             </a:extLst>
           </p:cNvPr>
@@ -1380,7 +1380,7 @@
           <p:cNvPr id="5" name="日期占位符 4">
             <a:extLst>
               <a:ext uri="{FF2B5EF4-FFF2-40B4-BE49-F238E27FC236}">
-                <a16:creationId xmlns:a16="http://schemas.microsoft.com/office/drawing/2014/main" id="{39B76F4A-BF4D-45B1-F89C-3948564AF220}"/>
+                <a16:creationId xmlns:a16="http://schemas.microsoft.com/office/drawing/2014/main" id="{BF3AF777-A110-E4B6-F8DB-8154D538AC07}"/>
               </a:ext>
             </a:extLst>
           </p:cNvPr>
@@ -1396,7 +1396,7 @@
           <a:bodyPr/>
           <a:lstStyle/>
           <a:p>
-            <a:fld id="{1F72B8CD-B301-495F-B4E2-D3745292DDE0}" type="datetimeFigureOut">
+            <a:fld id="{CCFB93AC-EDEA-43BF-A123-4950B2CF6A3B}" type="datetimeFigureOut">
               <a:rPr lang="zh-CN" altLang="en-US" smtClean="0"/>
               <a:t>2024/3/10</a:t>
             </a:fld>
@@ -1409,7 +1409,7 @@
           <p:cNvPr id="6" name="页脚占位符 5">
             <a:extLst>
               <a:ext uri="{FF2B5EF4-FFF2-40B4-BE49-F238E27FC236}">
-                <a16:creationId xmlns:a16="http://schemas.microsoft.com/office/drawing/2014/main" id="{8237AB00-CFA3-3B36-3A79-E4C4F34A8DB4}"/>
+                <a16:creationId xmlns:a16="http://schemas.microsoft.com/office/drawing/2014/main" id="{84857765-F49F-B57F-A785-03C71543C24F}"/>
               </a:ext>
             </a:extLst>
           </p:cNvPr>
@@ -1434,7 +1434,7 @@
           <p:cNvPr id="7" name="灯片编号占位符 6">
             <a:extLst>
               <a:ext uri="{FF2B5EF4-FFF2-40B4-BE49-F238E27FC236}">
-                <a16:creationId xmlns:a16="http://schemas.microsoft.com/office/drawing/2014/main" id="{50E942D5-8DAD-E6C5-04A5-A30C105A34F5}"/>
+                <a16:creationId xmlns:a16="http://schemas.microsoft.com/office/drawing/2014/main" id="{F9E70369-B423-07DF-2062-4B8BB0FF716E}"/>
               </a:ext>
             </a:extLst>
           </p:cNvPr>
@@ -1450,7 +1450,7 @@
           <a:bodyPr/>
           <a:lstStyle/>
           <a:p>
-            <a:fld id="{2B0FD6B3-1A40-47BB-9480-A84D69683F78}" type="slidenum">
+            <a:fld id="{A57A4B85-06FC-4C3C-AD01-B5C098C13949}" type="slidenum">
               <a:rPr lang="zh-CN" altLang="en-US" smtClean="0"/>
               <a:t>‹#›</a:t>
             </a:fld>
@@ -1461,7 +1461,7 @@
     </p:spTree>
     <p:extLst>
       <p:ext uri="{BB962C8B-B14F-4D97-AF65-F5344CB8AC3E}">
-        <p14:creationId xmlns:p14="http://schemas.microsoft.com/office/powerpoint/2010/main" val="1684894515"/>
+        <p14:creationId xmlns:p14="http://schemas.microsoft.com/office/powerpoint/2010/main" val="3903660604"/>
       </p:ext>
     </p:extLst>
   </p:cSld>
@@ -1493,7 +1493,7 @@
           <p:cNvPr id="2" name="标题 1">
             <a:extLst>
               <a:ext uri="{FF2B5EF4-FFF2-40B4-BE49-F238E27FC236}">
-                <a16:creationId xmlns:a16="http://schemas.microsoft.com/office/drawing/2014/main" id="{5CE00062-6350-B176-AF63-4082377C88FC}"/>
+                <a16:creationId xmlns:a16="http://schemas.microsoft.com/office/drawing/2014/main" id="{1892089E-2BB8-B796-FB3E-F03DE32D1A4B}"/>
               </a:ext>
             </a:extLst>
           </p:cNvPr>
@@ -1526,7 +1526,7 @@
           <p:cNvPr id="3" name="文本占位符 2">
             <a:extLst>
               <a:ext uri="{FF2B5EF4-FFF2-40B4-BE49-F238E27FC236}">
-                <a16:creationId xmlns:a16="http://schemas.microsoft.com/office/drawing/2014/main" id="{D99CAEF9-6676-21BE-BC3D-2ABCDA08877A}"/>
+                <a16:creationId xmlns:a16="http://schemas.microsoft.com/office/drawing/2014/main" id="{B5043B21-E9C1-569E-3C74-119B51C295B1}"/>
               </a:ext>
             </a:extLst>
           </p:cNvPr>
@@ -1597,7 +1597,7 @@
           <p:cNvPr id="4" name="内容占位符 3">
             <a:extLst>
               <a:ext uri="{FF2B5EF4-FFF2-40B4-BE49-F238E27FC236}">
-                <a16:creationId xmlns:a16="http://schemas.microsoft.com/office/drawing/2014/main" id="{7817510E-B9C8-2F98-5ECE-A23A212AF4A8}"/>
+                <a16:creationId xmlns:a16="http://schemas.microsoft.com/office/drawing/2014/main" id="{8F2F4DE2-6D6C-3931-F454-A33E8C09215F}"/>
               </a:ext>
             </a:extLst>
           </p:cNvPr>
@@ -1659,7 +1659,7 @@
           <p:cNvPr id="5" name="文本占位符 4">
             <a:extLst>
               <a:ext uri="{FF2B5EF4-FFF2-40B4-BE49-F238E27FC236}">
-                <a16:creationId xmlns:a16="http://schemas.microsoft.com/office/drawing/2014/main" id="{17BD0DA9-ED64-BC5B-C786-B603821C2A17}"/>
+                <a16:creationId xmlns:a16="http://schemas.microsoft.com/office/drawing/2014/main" id="{D1C44E50-AA1F-2168-7E2F-EB72DE626B5A}"/>
               </a:ext>
             </a:extLst>
           </p:cNvPr>
@@ -1730,7 +1730,7 @@
           <p:cNvPr id="6" name="内容占位符 5">
             <a:extLst>
               <a:ext uri="{FF2B5EF4-FFF2-40B4-BE49-F238E27FC236}">
-                <a16:creationId xmlns:a16="http://schemas.microsoft.com/office/drawing/2014/main" id="{EF04DC04-BE32-170C-111A-1D23410C94FD}"/>
+                <a16:creationId xmlns:a16="http://schemas.microsoft.com/office/drawing/2014/main" id="{A45DC406-931E-54EE-6D70-1B8FF41FE21B}"/>
               </a:ext>
             </a:extLst>
           </p:cNvPr>
@@ -1792,7 +1792,7 @@
           <p:cNvPr id="7" name="日期占位符 6">
             <a:extLst>
               <a:ext uri="{FF2B5EF4-FFF2-40B4-BE49-F238E27FC236}">
-                <a16:creationId xmlns:a16="http://schemas.microsoft.com/office/drawing/2014/main" id="{C286B82B-5D71-F45C-3CC0-DF8C30680D0A}"/>
+                <a16:creationId xmlns:a16="http://schemas.microsoft.com/office/drawing/2014/main" id="{D8C28402-2594-CE86-2113-AF48CA5B9F34}"/>
               </a:ext>
             </a:extLst>
           </p:cNvPr>
@@ -1808,7 +1808,7 @@
           <a:bodyPr/>
           <a:lstStyle/>
           <a:p>
-            <a:fld id="{1F72B8CD-B301-495F-B4E2-D3745292DDE0}" type="datetimeFigureOut">
+            <a:fld id="{CCFB93AC-EDEA-43BF-A123-4950B2CF6A3B}" type="datetimeFigureOut">
               <a:rPr lang="zh-CN" altLang="en-US" smtClean="0"/>
               <a:t>2024/3/10</a:t>
             </a:fld>
@@ -1821,7 +1821,7 @@
           <p:cNvPr id="8" name="页脚占位符 7">
             <a:extLst>
               <a:ext uri="{FF2B5EF4-FFF2-40B4-BE49-F238E27FC236}">
-                <a16:creationId xmlns:a16="http://schemas.microsoft.com/office/drawing/2014/main" id="{D20F1E92-4DF1-248F-FE39-6304469DD937}"/>
+                <a16:creationId xmlns:a16="http://schemas.microsoft.com/office/drawing/2014/main" id="{08F23417-EDE6-A23F-7F1C-19FA1A37DD95}"/>
               </a:ext>
             </a:extLst>
           </p:cNvPr>
@@ -1846,7 +1846,7 @@
           <p:cNvPr id="9" name="灯片编号占位符 8">
             <a:extLst>
               <a:ext uri="{FF2B5EF4-FFF2-40B4-BE49-F238E27FC236}">
-                <a16:creationId xmlns:a16="http://schemas.microsoft.com/office/drawing/2014/main" id="{E1CAD8FA-767F-E1D6-B6D0-F651A7587777}"/>
+                <a16:creationId xmlns:a16="http://schemas.microsoft.com/office/drawing/2014/main" id="{78AB6A12-1DF0-2CC3-5B40-1705425823C2}"/>
               </a:ext>
             </a:extLst>
           </p:cNvPr>
@@ -1862,7 +1862,7 @@
           <a:bodyPr/>
           <a:lstStyle/>
           <a:p>
-            <a:fld id="{2B0FD6B3-1A40-47BB-9480-A84D69683F78}" type="slidenum">
+            <a:fld id="{A57A4B85-06FC-4C3C-AD01-B5C098C13949}" type="slidenum">
               <a:rPr lang="zh-CN" altLang="en-US" smtClean="0"/>
               <a:t>‹#›</a:t>
             </a:fld>
@@ -1873,7 +1873,7 @@
     </p:spTree>
     <p:extLst>
       <p:ext uri="{BB962C8B-B14F-4D97-AF65-F5344CB8AC3E}">
-        <p14:creationId xmlns:p14="http://schemas.microsoft.com/office/powerpoint/2010/main" val="3479582358"/>
+        <p14:creationId xmlns:p14="http://schemas.microsoft.com/office/powerpoint/2010/main" val="370925407"/>
       </p:ext>
     </p:extLst>
   </p:cSld>
@@ -1905,7 +1905,7 @@
           <p:cNvPr id="2" name="标题 1">
             <a:extLst>
               <a:ext uri="{FF2B5EF4-FFF2-40B4-BE49-F238E27FC236}">
-                <a16:creationId xmlns:a16="http://schemas.microsoft.com/office/drawing/2014/main" id="{7D071CEB-E07C-382A-847D-EAF92F70F278}"/>
+                <a16:creationId xmlns:a16="http://schemas.microsoft.com/office/drawing/2014/main" id="{F6D16929-7019-788D-1AFE-2B79E8BD489E}"/>
               </a:ext>
             </a:extLst>
           </p:cNvPr>
@@ -1933,7 +1933,7 @@
           <p:cNvPr id="3" name="日期占位符 2">
             <a:extLst>
               <a:ext uri="{FF2B5EF4-FFF2-40B4-BE49-F238E27FC236}">
-                <a16:creationId xmlns:a16="http://schemas.microsoft.com/office/drawing/2014/main" id="{B4F8883B-796B-311A-7FDE-A4EB2DF075F4}"/>
+                <a16:creationId xmlns:a16="http://schemas.microsoft.com/office/drawing/2014/main" id="{8DE5E29E-BFFC-0C5D-1266-2BB6F32BA04D}"/>
               </a:ext>
             </a:extLst>
           </p:cNvPr>
@@ -1949,7 +1949,7 @@
           <a:bodyPr/>
           <a:lstStyle/>
           <a:p>
-            <a:fld id="{1F72B8CD-B301-495F-B4E2-D3745292DDE0}" type="datetimeFigureOut">
+            <a:fld id="{CCFB93AC-EDEA-43BF-A123-4950B2CF6A3B}" type="datetimeFigureOut">
               <a:rPr lang="zh-CN" altLang="en-US" smtClean="0"/>
               <a:t>2024/3/10</a:t>
             </a:fld>
@@ -1962,7 +1962,7 @@
           <p:cNvPr id="4" name="页脚占位符 3">
             <a:extLst>
               <a:ext uri="{FF2B5EF4-FFF2-40B4-BE49-F238E27FC236}">
-                <a16:creationId xmlns:a16="http://schemas.microsoft.com/office/drawing/2014/main" id="{35C6E1A4-5D18-2E6F-AE6D-EE7931B05B2D}"/>
+                <a16:creationId xmlns:a16="http://schemas.microsoft.com/office/drawing/2014/main" id="{67C536F8-445E-1D21-7A08-37B09E44A956}"/>
               </a:ext>
             </a:extLst>
           </p:cNvPr>
@@ -1987,7 +1987,7 @@
           <p:cNvPr id="5" name="灯片编号占位符 4">
             <a:extLst>
               <a:ext uri="{FF2B5EF4-FFF2-40B4-BE49-F238E27FC236}">
-                <a16:creationId xmlns:a16="http://schemas.microsoft.com/office/drawing/2014/main" id="{E89ADA3C-B247-11A1-2788-3A208CD4A563}"/>
+                <a16:creationId xmlns:a16="http://schemas.microsoft.com/office/drawing/2014/main" id="{E95BFC63-C5E1-4F92-0CF0-0E90E353ED10}"/>
               </a:ext>
             </a:extLst>
           </p:cNvPr>
@@ -2003,7 +2003,7 @@
           <a:bodyPr/>
           <a:lstStyle/>
           <a:p>
-            <a:fld id="{2B0FD6B3-1A40-47BB-9480-A84D69683F78}" type="slidenum">
+            <a:fld id="{A57A4B85-06FC-4C3C-AD01-B5C098C13949}" type="slidenum">
               <a:rPr lang="zh-CN" altLang="en-US" smtClean="0"/>
               <a:t>‹#›</a:t>
             </a:fld>
@@ -2014,7 +2014,7 @@
     </p:spTree>
     <p:extLst>
       <p:ext uri="{BB962C8B-B14F-4D97-AF65-F5344CB8AC3E}">
-        <p14:creationId xmlns:p14="http://schemas.microsoft.com/office/powerpoint/2010/main" val="3811369094"/>
+        <p14:creationId xmlns:p14="http://schemas.microsoft.com/office/powerpoint/2010/main" val="4094037369"/>
       </p:ext>
     </p:extLst>
   </p:cSld>
@@ -2046,7 +2046,7 @@
           <p:cNvPr id="2" name="日期占位符 1">
             <a:extLst>
               <a:ext uri="{FF2B5EF4-FFF2-40B4-BE49-F238E27FC236}">
-                <a16:creationId xmlns:a16="http://schemas.microsoft.com/office/drawing/2014/main" id="{5D8A6D15-7C24-1522-B7EC-0AD0DD4CACD5}"/>
+                <a16:creationId xmlns:a16="http://schemas.microsoft.com/office/drawing/2014/main" id="{D29DBDB0-D5F4-ED54-65C1-075330704397}"/>
               </a:ext>
             </a:extLst>
           </p:cNvPr>
@@ -2062,7 +2062,7 @@
           <a:bodyPr/>
           <a:lstStyle/>
           <a:p>
-            <a:fld id="{1F72B8CD-B301-495F-B4E2-D3745292DDE0}" type="datetimeFigureOut">
+            <a:fld id="{CCFB93AC-EDEA-43BF-A123-4950B2CF6A3B}" type="datetimeFigureOut">
               <a:rPr lang="zh-CN" altLang="en-US" smtClean="0"/>
               <a:t>2024/3/10</a:t>
             </a:fld>
@@ -2075,7 +2075,7 @@
           <p:cNvPr id="3" name="页脚占位符 2">
             <a:extLst>
               <a:ext uri="{FF2B5EF4-FFF2-40B4-BE49-F238E27FC236}">
-                <a16:creationId xmlns:a16="http://schemas.microsoft.com/office/drawing/2014/main" id="{41943A0B-5A88-0381-BB1C-D1FFEE1829B9}"/>
+                <a16:creationId xmlns:a16="http://schemas.microsoft.com/office/drawing/2014/main" id="{FB2D31E6-B00E-EF2B-69D2-4B95B3D2667D}"/>
               </a:ext>
             </a:extLst>
           </p:cNvPr>
@@ -2100,7 +2100,7 @@
           <p:cNvPr id="4" name="灯片编号占位符 3">
             <a:extLst>
               <a:ext uri="{FF2B5EF4-FFF2-40B4-BE49-F238E27FC236}">
-                <a16:creationId xmlns:a16="http://schemas.microsoft.com/office/drawing/2014/main" id="{C0CDEF31-C921-88C3-B419-38909930B986}"/>
+                <a16:creationId xmlns:a16="http://schemas.microsoft.com/office/drawing/2014/main" id="{02E6E737-87E9-B5D0-F469-8437841B2801}"/>
               </a:ext>
             </a:extLst>
           </p:cNvPr>
@@ -2116,7 +2116,7 @@
           <a:bodyPr/>
           <a:lstStyle/>
           <a:p>
-            <a:fld id="{2B0FD6B3-1A40-47BB-9480-A84D69683F78}" type="slidenum">
+            <a:fld id="{A57A4B85-06FC-4C3C-AD01-B5C098C13949}" type="slidenum">
               <a:rPr lang="zh-CN" altLang="en-US" smtClean="0"/>
               <a:t>‹#›</a:t>
             </a:fld>
@@ -2127,7 +2127,7 @@
     </p:spTree>
     <p:extLst>
       <p:ext uri="{BB962C8B-B14F-4D97-AF65-F5344CB8AC3E}">
-        <p14:creationId xmlns:p14="http://schemas.microsoft.com/office/powerpoint/2010/main" val="2681848020"/>
+        <p14:creationId xmlns:p14="http://schemas.microsoft.com/office/powerpoint/2010/main" val="3380954564"/>
       </p:ext>
     </p:extLst>
   </p:cSld>
@@ -2159,7 +2159,7 @@
           <p:cNvPr id="2" name="标题 1">
             <a:extLst>
               <a:ext uri="{FF2B5EF4-FFF2-40B4-BE49-F238E27FC236}">
-                <a16:creationId xmlns:a16="http://schemas.microsoft.com/office/drawing/2014/main" id="{7BD48693-A715-1F7C-0E1A-A50747C915DB}"/>
+                <a16:creationId xmlns:a16="http://schemas.microsoft.com/office/drawing/2014/main" id="{08FE4A85-C59D-EBB4-9C28-24AF57B1C23D}"/>
               </a:ext>
             </a:extLst>
           </p:cNvPr>
@@ -2196,7 +2196,7 @@
           <p:cNvPr id="3" name="内容占位符 2">
             <a:extLst>
               <a:ext uri="{FF2B5EF4-FFF2-40B4-BE49-F238E27FC236}">
-                <a16:creationId xmlns:a16="http://schemas.microsoft.com/office/drawing/2014/main" id="{63174E0A-83C4-DE0A-6A36-A3AA235879D4}"/>
+                <a16:creationId xmlns:a16="http://schemas.microsoft.com/office/drawing/2014/main" id="{42AA0672-C877-0154-B9F6-91BAADBD990A}"/>
               </a:ext>
             </a:extLst>
           </p:cNvPr>
@@ -2286,7 +2286,7 @@
           <p:cNvPr id="4" name="文本占位符 3">
             <a:extLst>
               <a:ext uri="{FF2B5EF4-FFF2-40B4-BE49-F238E27FC236}">
-                <a16:creationId xmlns:a16="http://schemas.microsoft.com/office/drawing/2014/main" id="{126BAFCB-9CA6-940B-C995-85845F541427}"/>
+                <a16:creationId xmlns:a16="http://schemas.microsoft.com/office/drawing/2014/main" id="{790C3478-2179-4788-3B87-261CAD908F49}"/>
               </a:ext>
             </a:extLst>
           </p:cNvPr>
@@ -2357,7 +2357,7 @@
           <p:cNvPr id="5" name="日期占位符 4">
             <a:extLst>
               <a:ext uri="{FF2B5EF4-FFF2-40B4-BE49-F238E27FC236}">
-                <a16:creationId xmlns:a16="http://schemas.microsoft.com/office/drawing/2014/main" id="{91F21F5A-986D-902D-D349-B04F38DFA633}"/>
+                <a16:creationId xmlns:a16="http://schemas.microsoft.com/office/drawing/2014/main" id="{BC463875-F664-82B6-3948-ECA67588D3CD}"/>
               </a:ext>
             </a:extLst>
           </p:cNvPr>
@@ -2373,7 +2373,7 @@
           <a:bodyPr/>
           <a:lstStyle/>
           <a:p>
-            <a:fld id="{1F72B8CD-B301-495F-B4E2-D3745292DDE0}" type="datetimeFigureOut">
+            <a:fld id="{CCFB93AC-EDEA-43BF-A123-4950B2CF6A3B}" type="datetimeFigureOut">
               <a:rPr lang="zh-CN" altLang="en-US" smtClean="0"/>
               <a:t>2024/3/10</a:t>
             </a:fld>
@@ -2386,7 +2386,7 @@
           <p:cNvPr id="6" name="页脚占位符 5">
             <a:extLst>
               <a:ext uri="{FF2B5EF4-FFF2-40B4-BE49-F238E27FC236}">
-                <a16:creationId xmlns:a16="http://schemas.microsoft.com/office/drawing/2014/main" id="{BB9C1453-DE1E-2853-88B9-04E3F13F772C}"/>
+                <a16:creationId xmlns:a16="http://schemas.microsoft.com/office/drawing/2014/main" id="{FA416125-2EB2-9A47-A880-83BA4F11EE1C}"/>
               </a:ext>
             </a:extLst>
           </p:cNvPr>
@@ -2411,7 +2411,7 @@
           <p:cNvPr id="7" name="灯片编号占位符 6">
             <a:extLst>
               <a:ext uri="{FF2B5EF4-FFF2-40B4-BE49-F238E27FC236}">
-                <a16:creationId xmlns:a16="http://schemas.microsoft.com/office/drawing/2014/main" id="{A88050C2-B948-CADD-1A32-1421DC23081C}"/>
+                <a16:creationId xmlns:a16="http://schemas.microsoft.com/office/drawing/2014/main" id="{AD325488-DEA9-BA95-9AAC-D7A72C2FFA40}"/>
               </a:ext>
             </a:extLst>
           </p:cNvPr>
@@ -2427,7 +2427,7 @@
           <a:bodyPr/>
           <a:lstStyle/>
           <a:p>
-            <a:fld id="{2B0FD6B3-1A40-47BB-9480-A84D69683F78}" type="slidenum">
+            <a:fld id="{A57A4B85-06FC-4C3C-AD01-B5C098C13949}" type="slidenum">
               <a:rPr lang="zh-CN" altLang="en-US" smtClean="0"/>
               <a:t>‹#›</a:t>
             </a:fld>
@@ -2438,7 +2438,7 @@
     </p:spTree>
     <p:extLst>
       <p:ext uri="{BB962C8B-B14F-4D97-AF65-F5344CB8AC3E}">
-        <p14:creationId xmlns:p14="http://schemas.microsoft.com/office/powerpoint/2010/main" val="583243626"/>
+        <p14:creationId xmlns:p14="http://schemas.microsoft.com/office/powerpoint/2010/main" val="2552367199"/>
       </p:ext>
     </p:extLst>
   </p:cSld>
@@ -2470,7 +2470,7 @@
           <p:cNvPr id="2" name="标题 1">
             <a:extLst>
               <a:ext uri="{FF2B5EF4-FFF2-40B4-BE49-F238E27FC236}">
-                <a16:creationId xmlns:a16="http://schemas.microsoft.com/office/drawing/2014/main" id="{B2518C3F-DF5C-2BA7-2ED0-AD82269E2490}"/>
+                <a16:creationId xmlns:a16="http://schemas.microsoft.com/office/drawing/2014/main" id="{E759AAD5-C662-A4FE-B0DB-26EE95388CED}"/>
               </a:ext>
             </a:extLst>
           </p:cNvPr>
@@ -2507,7 +2507,7 @@
           <p:cNvPr id="3" name="图片占位符 2">
             <a:extLst>
               <a:ext uri="{FF2B5EF4-FFF2-40B4-BE49-F238E27FC236}">
-                <a16:creationId xmlns:a16="http://schemas.microsoft.com/office/drawing/2014/main" id="{18786DEE-0E92-0F9C-C8D4-7F490469A2CE}"/>
+                <a16:creationId xmlns:a16="http://schemas.microsoft.com/office/drawing/2014/main" id="{6EBB7C94-E080-6F53-7229-1C0262811D47}"/>
               </a:ext>
             </a:extLst>
           </p:cNvPr>
@@ -2574,7 +2574,7 @@
           <p:cNvPr id="4" name="文本占位符 3">
             <a:extLst>
               <a:ext uri="{FF2B5EF4-FFF2-40B4-BE49-F238E27FC236}">
-                <a16:creationId xmlns:a16="http://schemas.microsoft.com/office/drawing/2014/main" id="{E27B8A97-0586-77D5-3844-05DC7174471F}"/>
+                <a16:creationId xmlns:a16="http://schemas.microsoft.com/office/drawing/2014/main" id="{75FF729F-D202-F0EA-450B-EE206446BF2B}"/>
               </a:ext>
             </a:extLst>
           </p:cNvPr>
@@ -2645,7 +2645,7 @@
           <p:cNvPr id="5" name="日期占位符 4">
             <a:extLst>
               <a:ext uri="{FF2B5EF4-FFF2-40B4-BE49-F238E27FC236}">
-                <a16:creationId xmlns:a16="http://schemas.microsoft.com/office/drawing/2014/main" id="{3B390EC0-7A50-9100-61F4-D87B70859744}"/>
+                <a16:creationId xmlns:a16="http://schemas.microsoft.com/office/drawing/2014/main" id="{40E01072-5F3C-76EB-6E0E-23619B1DCAEF}"/>
               </a:ext>
             </a:extLst>
           </p:cNvPr>
@@ -2661,7 +2661,7 @@
           <a:bodyPr/>
           <a:lstStyle/>
           <a:p>
-            <a:fld id="{1F72B8CD-B301-495F-B4E2-D3745292DDE0}" type="datetimeFigureOut">
+            <a:fld id="{CCFB93AC-EDEA-43BF-A123-4950B2CF6A3B}" type="datetimeFigureOut">
               <a:rPr lang="zh-CN" altLang="en-US" smtClean="0"/>
               <a:t>2024/3/10</a:t>
             </a:fld>
@@ -2674,7 +2674,7 @@
           <p:cNvPr id="6" name="页脚占位符 5">
             <a:extLst>
               <a:ext uri="{FF2B5EF4-FFF2-40B4-BE49-F238E27FC236}">
-                <a16:creationId xmlns:a16="http://schemas.microsoft.com/office/drawing/2014/main" id="{B60A4E13-2DF7-4A2F-B2E3-27E19DC38778}"/>
+                <a16:creationId xmlns:a16="http://schemas.microsoft.com/office/drawing/2014/main" id="{B2A03446-8418-7334-58D2-82FB7FEF4E10}"/>
               </a:ext>
             </a:extLst>
           </p:cNvPr>
@@ -2699,7 +2699,7 @@
           <p:cNvPr id="7" name="灯片编号占位符 6">
             <a:extLst>
               <a:ext uri="{FF2B5EF4-FFF2-40B4-BE49-F238E27FC236}">
-                <a16:creationId xmlns:a16="http://schemas.microsoft.com/office/drawing/2014/main" id="{415686D9-16E7-E686-22D1-5967CDA0AFC6}"/>
+                <a16:creationId xmlns:a16="http://schemas.microsoft.com/office/drawing/2014/main" id="{9FDA1834-3AF9-7A9C-A4A5-151C7D3CDBEF}"/>
               </a:ext>
             </a:extLst>
           </p:cNvPr>
@@ -2715,7 +2715,7 @@
           <a:bodyPr/>
           <a:lstStyle/>
           <a:p>
-            <a:fld id="{2B0FD6B3-1A40-47BB-9480-A84D69683F78}" type="slidenum">
+            <a:fld id="{A57A4B85-06FC-4C3C-AD01-B5C098C13949}" type="slidenum">
               <a:rPr lang="zh-CN" altLang="en-US" smtClean="0"/>
               <a:t>‹#›</a:t>
             </a:fld>
@@ -2726,7 +2726,7 @@
     </p:spTree>
     <p:extLst>
       <p:ext uri="{BB962C8B-B14F-4D97-AF65-F5344CB8AC3E}">
-        <p14:creationId xmlns:p14="http://schemas.microsoft.com/office/powerpoint/2010/main" val="2632623205"/>
+        <p14:creationId xmlns:p14="http://schemas.microsoft.com/office/powerpoint/2010/main" val="57962527"/>
       </p:ext>
     </p:extLst>
   </p:cSld>
@@ -2763,7 +2763,7 @@
           <p:cNvPr id="2" name="标题占位符 1">
             <a:extLst>
               <a:ext uri="{FF2B5EF4-FFF2-40B4-BE49-F238E27FC236}">
-                <a16:creationId xmlns:a16="http://schemas.microsoft.com/office/drawing/2014/main" id="{6B1ADBC2-EA96-0285-35BB-D579CEDCD0EF}"/>
+                <a16:creationId xmlns:a16="http://schemas.microsoft.com/office/drawing/2014/main" id="{CD4BE3B3-8814-0CFC-5A4D-346E87E6BADB}"/>
               </a:ext>
             </a:extLst>
           </p:cNvPr>
@@ -2801,7 +2801,7 @@
           <p:cNvPr id="3" name="文本占位符 2">
             <a:extLst>
               <a:ext uri="{FF2B5EF4-FFF2-40B4-BE49-F238E27FC236}">
-                <a16:creationId xmlns:a16="http://schemas.microsoft.com/office/drawing/2014/main" id="{B0793E9E-CCFB-6558-5593-62931AEB0F79}"/>
+                <a16:creationId xmlns:a16="http://schemas.microsoft.com/office/drawing/2014/main" id="{111308C6-FA14-CE0F-D861-A9A8A0256B2F}"/>
               </a:ext>
             </a:extLst>
           </p:cNvPr>
@@ -2868,7 +2868,7 @@
           <p:cNvPr id="4" name="日期占位符 3">
             <a:extLst>
               <a:ext uri="{FF2B5EF4-FFF2-40B4-BE49-F238E27FC236}">
-                <a16:creationId xmlns:a16="http://schemas.microsoft.com/office/drawing/2014/main" id="{37C683BB-2368-9489-58A2-58F0190656B8}"/>
+                <a16:creationId xmlns:a16="http://schemas.microsoft.com/office/drawing/2014/main" id="{2C135A25-F6AA-D8DC-363A-56CE14881F18}"/>
               </a:ext>
             </a:extLst>
           </p:cNvPr>
@@ -2902,7 +2902,7 @@
             </a:lvl1pPr>
           </a:lstStyle>
           <a:p>
-            <a:fld id="{1F72B8CD-B301-495F-B4E2-D3745292DDE0}" type="datetimeFigureOut">
+            <a:fld id="{CCFB93AC-EDEA-43BF-A123-4950B2CF6A3B}" type="datetimeFigureOut">
               <a:rPr lang="zh-CN" altLang="en-US" smtClean="0"/>
               <a:t>2024/3/10</a:t>
             </a:fld>
@@ -2915,7 +2915,7 @@
           <p:cNvPr id="5" name="页脚占位符 4">
             <a:extLst>
               <a:ext uri="{FF2B5EF4-FFF2-40B4-BE49-F238E27FC236}">
-                <a16:creationId xmlns:a16="http://schemas.microsoft.com/office/drawing/2014/main" id="{B478E1C5-5E3C-66A7-3B3D-2277CC20699B}"/>
+                <a16:creationId xmlns:a16="http://schemas.microsoft.com/office/drawing/2014/main" id="{0E63DB8F-38B6-B078-F2BC-2B3780600535}"/>
               </a:ext>
             </a:extLst>
           </p:cNvPr>
@@ -2958,7 +2958,7 @@
           <p:cNvPr id="6" name="灯片编号占位符 5">
             <a:extLst>
               <a:ext uri="{FF2B5EF4-FFF2-40B4-BE49-F238E27FC236}">
-                <a16:creationId xmlns:a16="http://schemas.microsoft.com/office/drawing/2014/main" id="{6FF34D01-85E2-655C-353C-E1595A9CFAA4}"/>
+                <a16:creationId xmlns:a16="http://schemas.microsoft.com/office/drawing/2014/main" id="{E25E4E70-BA76-8DD5-0C59-5C7093F869C2}"/>
               </a:ext>
             </a:extLst>
           </p:cNvPr>
@@ -2992,7 +2992,7 @@
             </a:lvl1pPr>
           </a:lstStyle>
           <a:p>
-            <a:fld id="{2B0FD6B3-1A40-47BB-9480-A84D69683F78}" type="slidenum">
+            <a:fld id="{A57A4B85-06FC-4C3C-AD01-B5C098C13949}" type="slidenum">
               <a:rPr lang="zh-CN" altLang="en-US" smtClean="0"/>
               <a:t>‹#›</a:t>
             </a:fld>
@@ -3003,7 +3003,7 @@
     </p:spTree>
     <p:extLst>
       <p:ext uri="{BB962C8B-B14F-4D97-AF65-F5344CB8AC3E}">
-        <p14:creationId xmlns:p14="http://schemas.microsoft.com/office/powerpoint/2010/main" val="1569153282"/>
+        <p14:creationId xmlns:p14="http://schemas.microsoft.com/office/powerpoint/2010/main" val="2195741998"/>
       </p:ext>
     </p:extLst>
   </p:cSld>
@@ -3323,7 +3323,7 @@
       </p:grpSpPr>
       <p:pic>
         <p:nvPicPr>
-          <p:cNvPr id="444418" name="Picture 2" descr="433"/>
+          <p:cNvPr id="445442" name="Picture 2" descr="434"/>
           <p:cNvPicPr>
             <a:picLocks noChangeAspect="1" noChangeArrowheads="1"/>
           </p:cNvPicPr>
@@ -3375,275 +3375,11 @@
           </a:extLst>
         </p:spPr>
       </p:pic>
-      <p:pic>
-        <p:nvPicPr>
-          <p:cNvPr id="445443" name="Picture 3" descr="433-2"/>
-          <p:cNvPicPr>
-            <a:picLocks noChangeAspect="1" noChangeArrowheads="1"/>
-          </p:cNvPicPr>
-          <p:nvPr/>
-        </p:nvPicPr>
-        <p:blipFill>
-          <a:blip r:embed="rId3">
-            <a:extLst>
-              <a:ext uri="{28A0092B-C50C-407E-A947-70E740481C1C}">
-                <a14:useLocalDpi xmlns:a14="http://schemas.microsoft.com/office/drawing/2010/main" val="0"/>
-              </a:ext>
-            </a:extLst>
-          </a:blip>
-          <a:srcRect/>
-          <a:stretch>
-            <a:fillRect/>
-          </a:stretch>
-        </p:blipFill>
-        <p:spPr bwMode="auto">
-          <a:xfrm>
-            <a:off x="1524000" y="0"/>
-            <a:ext cx="9144000" cy="6858000"/>
-          </a:xfrm>
-          <a:prstGeom prst="rect">
-            <a:avLst/>
-          </a:prstGeom>
-          <a:noFill/>
-          <a:ln>
-            <a:noFill/>
-          </a:ln>
-          <a:effectLst/>
-          <a:extLst>
-            <a:ext uri="{909E8E84-426E-40DD-AFC4-6F175D3DCCD1}">
-              <a14:hiddenFill xmlns:a14="http://schemas.microsoft.com/office/drawing/2010/main">
-                <a:solidFill>
-                  <a:srgbClr val="FFFFFF"/>
-                </a:solidFill>
-              </a14:hiddenFill>
-            </a:ext>
-            <a:ext uri="{91240B29-F687-4F45-9708-019B960494DF}">
-              <a14:hiddenLine xmlns:a14="http://schemas.microsoft.com/office/drawing/2010/main" w="9525">
-                <a:solidFill>
-                  <a:srgbClr val="000000"/>
-                </a:solidFill>
-                <a:miter lim="800000"/>
-                <a:headEnd/>
-                <a:tailEnd/>
-              </a14:hiddenLine>
-            </a:ext>
-            <a:ext uri="{AF507438-7753-43E0-B8FC-AC1667EBCBE1}">
-              <a14:hiddenEffects xmlns:a14="http://schemas.microsoft.com/office/drawing/2010/main">
-                <a:effectLst>
-                  <a:outerShdw dist="35921" dir="2700000" algn="ctr" rotWithShape="0">
-                    <a:srgbClr val="808080"/>
-                  </a:outerShdw>
-                </a:effectLst>
-              </a14:hiddenEffects>
-            </a:ext>
-          </a:extLst>
-        </p:spPr>
-      </p:pic>
-      <p:pic>
-        <p:nvPicPr>
-          <p:cNvPr id="445444" name="Picture 4" descr="433-3"/>
-          <p:cNvPicPr>
-            <a:picLocks noChangeAspect="1" noChangeArrowheads="1"/>
-          </p:cNvPicPr>
-          <p:nvPr/>
-        </p:nvPicPr>
-        <p:blipFill>
-          <a:blip r:embed="rId4">
-            <a:extLst>
-              <a:ext uri="{28A0092B-C50C-407E-A947-70E740481C1C}">
-                <a14:useLocalDpi xmlns:a14="http://schemas.microsoft.com/office/drawing/2010/main" val="0"/>
-              </a:ext>
-            </a:extLst>
-          </a:blip>
-          <a:srcRect/>
-          <a:stretch>
-            <a:fillRect/>
-          </a:stretch>
-        </p:blipFill>
-        <p:spPr bwMode="auto">
-          <a:xfrm>
-            <a:off x="1524000" y="44450"/>
-            <a:ext cx="9144000" cy="6858000"/>
-          </a:xfrm>
-          <a:prstGeom prst="rect">
-            <a:avLst/>
-          </a:prstGeom>
-          <a:noFill/>
-          <a:ln>
-            <a:noFill/>
-          </a:ln>
-          <a:effectLst/>
-          <a:extLst>
-            <a:ext uri="{909E8E84-426E-40DD-AFC4-6F175D3DCCD1}">
-              <a14:hiddenFill xmlns:a14="http://schemas.microsoft.com/office/drawing/2010/main">
-                <a:solidFill>
-                  <a:srgbClr val="FFFFFF"/>
-                </a:solidFill>
-              </a14:hiddenFill>
-            </a:ext>
-            <a:ext uri="{91240B29-F687-4F45-9708-019B960494DF}">
-              <a14:hiddenLine xmlns:a14="http://schemas.microsoft.com/office/drawing/2010/main" w="9525">
-                <a:solidFill>
-                  <a:srgbClr val="000000"/>
-                </a:solidFill>
-                <a:miter lim="800000"/>
-                <a:headEnd/>
-                <a:tailEnd/>
-              </a14:hiddenLine>
-            </a:ext>
-            <a:ext uri="{AF507438-7753-43E0-B8FC-AC1667EBCBE1}">
-              <a14:hiddenEffects xmlns:a14="http://schemas.microsoft.com/office/drawing/2010/main">
-                <a:effectLst>
-                  <a:outerShdw dist="35921" dir="2700000" algn="ctr" rotWithShape="0">
-                    <a:srgbClr val="808080"/>
-                  </a:outerShdw>
-                </a:effectLst>
-              </a14:hiddenEffects>
-            </a:ext>
-          </a:extLst>
-        </p:spPr>
-      </p:pic>
     </p:spTree>
   </p:cSld>
   <p:clrMapOvr>
     <a:masterClrMapping/>
   </p:clrMapOvr>
-  <p:timing>
-    <p:tnLst>
-      <p:par>
-        <p:cTn id="1" dur="indefinite" restart="never" nodeType="tmRoot">
-          <p:childTnLst>
-            <p:seq concurrent="1" nextAc="seek">
-              <p:cTn id="2" dur="indefinite" nodeType="mainSeq">
-                <p:childTnLst>
-                  <p:par>
-                    <p:cTn id="3" fill="hold" nodeType="clickPar">
-                      <p:stCondLst>
-                        <p:cond delay="indefinite"/>
-                      </p:stCondLst>
-                      <p:childTnLst>
-                        <p:par>
-                          <p:cTn id="4" fill="hold" nodeType="withGroup">
-                            <p:stCondLst>
-                              <p:cond delay="0"/>
-                            </p:stCondLst>
-                            <p:childTnLst>
-                              <p:par>
-                                <p:cTn id="5" presetID="10" presetClass="entr" presetSubtype="0" fill="hold" nodeType="clickEffect">
-                                  <p:stCondLst>
-                                    <p:cond delay="0"/>
-                                  </p:stCondLst>
-                                  <p:childTnLst>
-                                    <p:set>
-                                      <p:cBhvr>
-                                        <p:cTn id="6" dur="1" fill="hold">
-                                          <p:stCondLst>
-                                            <p:cond delay="0"/>
-                                          </p:stCondLst>
-                                        </p:cTn>
-                                        <p:tgtEl>
-                                          <p:spTgt spid="445443"/>
-                                        </p:tgtEl>
-                                        <p:attrNameLst>
-                                          <p:attrName>style.visibility</p:attrName>
-                                        </p:attrNameLst>
-                                      </p:cBhvr>
-                                      <p:to>
-                                        <p:strVal val="visible"/>
-                                      </p:to>
-                                    </p:set>
-                                    <p:animEffect transition="in" filter="fade">
-                                      <p:cBhvr>
-                                        <p:cTn id="7" dur="500"/>
-                                        <p:tgtEl>
-                                          <p:spTgt spid="445443"/>
-                                        </p:tgtEl>
-                                      </p:cBhvr>
-                                    </p:animEffect>
-                                  </p:childTnLst>
-                                </p:cTn>
-                              </p:par>
-                            </p:childTnLst>
-                          </p:cTn>
-                        </p:par>
-                      </p:childTnLst>
-                    </p:cTn>
-                  </p:par>
-                  <p:par>
-                    <p:cTn id="8" fill="hold" nodeType="clickPar">
-                      <p:stCondLst>
-                        <p:cond delay="indefinite"/>
-                      </p:stCondLst>
-                      <p:childTnLst>
-                        <p:par>
-                          <p:cTn id="9" fill="hold" nodeType="withGroup">
-                            <p:stCondLst>
-                              <p:cond delay="0"/>
-                            </p:stCondLst>
-                            <p:childTnLst>
-                              <p:par>
-                                <p:cTn id="10" presetID="10" presetClass="entr" presetSubtype="0" fill="hold" nodeType="clickEffect">
-                                  <p:stCondLst>
-                                    <p:cond delay="0"/>
-                                  </p:stCondLst>
-                                  <p:childTnLst>
-                                    <p:set>
-                                      <p:cBhvr>
-                                        <p:cTn id="11" dur="1" fill="hold">
-                                          <p:stCondLst>
-                                            <p:cond delay="0"/>
-                                          </p:stCondLst>
-                                        </p:cTn>
-                                        <p:tgtEl>
-                                          <p:spTgt spid="445444"/>
-                                        </p:tgtEl>
-                                        <p:attrNameLst>
-                                          <p:attrName>style.visibility</p:attrName>
-                                        </p:attrNameLst>
-                                      </p:cBhvr>
-                                      <p:to>
-                                        <p:strVal val="visible"/>
-                                      </p:to>
-                                    </p:set>
-                                    <p:animEffect transition="in" filter="fade">
-                                      <p:cBhvr>
-                                        <p:cTn id="12" dur="500"/>
-                                        <p:tgtEl>
-                                          <p:spTgt spid="445444"/>
-                                        </p:tgtEl>
-                                      </p:cBhvr>
-                                    </p:animEffect>
-                                  </p:childTnLst>
-                                </p:cTn>
-                              </p:par>
-                            </p:childTnLst>
-                          </p:cTn>
-                        </p:par>
-                      </p:childTnLst>
-                    </p:cTn>
-                  </p:par>
-                </p:childTnLst>
-              </p:cTn>
-              <p:prevCondLst>
-                <p:cond evt="onPrev" delay="0">
-                  <p:tgtEl>
-                    <p:sldTgt/>
-                  </p:tgtEl>
-                </p:cond>
-              </p:prevCondLst>
-              <p:nextCondLst>
-                <p:cond evt="onNext" delay="0">
-                  <p:tgtEl>
-                    <p:sldTgt/>
-                  </p:tgtEl>
-                </p:cond>
-              </p:nextCondLst>
-            </p:seq>
-          </p:childTnLst>
-        </p:cTn>
-      </p:par>
-    </p:tnLst>
-  </p:timing>
 </p:sld>
 </file>
 
